--- a/Docs/Technical docs/LiBaaS Embedded System Block Diagram.pptx
+++ b/Docs/Technical docs/LiBaaS Embedded System Block Diagram.pptx
@@ -24,21 +24,21 @@
       <p:boldItalic r:id="rId10"/>
     </p:embeddedFont>
     <p:embeddedFont>
-      <p:font typeface="Lato" panose="020B0604020202020204" charset="0"/>
+      <p:font typeface="Roboto" panose="020B0604020202020204" charset="0"/>
       <p:regular r:id="rId11"/>
       <p:bold r:id="rId12"/>
       <p:italic r:id="rId13"/>
       <p:boldItalic r:id="rId14"/>
     </p:embeddedFont>
     <p:embeddedFont>
-      <p:font typeface="Montserrat" panose="020B0604020202020204" charset="0"/>
+      <p:font typeface="Lato" panose="020B0604020202020204" charset="0"/>
       <p:regular r:id="rId15"/>
       <p:bold r:id="rId16"/>
       <p:italic r:id="rId17"/>
       <p:boldItalic r:id="rId18"/>
     </p:embeddedFont>
     <p:embeddedFont>
-      <p:font typeface="Roboto" panose="020B0604020202020204" charset="0"/>
+      <p:font typeface="Montserrat" panose="020B0604020202020204" charset="0"/>
       <p:regular r:id="rId19"/>
       <p:bold r:id="rId20"/>
       <p:italic r:id="rId21"/>
@@ -275,8 +275,11 @@
     </a:lvl9pPr>
   </p:defaultTextStyle>
   <p:extLst>
+    <p:ext uri="{EFAFB233-063F-42B5-8137-9DF3F51BA10A}">
+      <p15:sldGuideLst xmlns:p15="http://schemas.microsoft.com/office/powerpoint/2012/main"/>
+    </p:ext>
     <p:ext uri="http://customooxmlschemas.google.com/">
-      <go:slidesCustomData xmlns:go="http://customooxmlschemas.google.com/" xmlns:ahyp="http://schemas.microsoft.com/office/drawing/2018/hyperlinkcolor" xmlns:p15="http://schemas.microsoft.com/office/powerpoint/2012/main" xmlns:p14="http://schemas.microsoft.com/office/powerpoint/2010/main" xmlns:com="http://schemas.openxmlformats.org/drawingml/2006/compatibility" xmlns:pvml="urn:schemas-microsoft-com:office:powerpoint" xmlns:v="urn:schemas-microsoft-com:vml" xmlns:o="urn:schemas-microsoft-com:office:office" xmlns:dgm="http://schemas.openxmlformats.org/drawingml/2006/diagram" xmlns:c="http://schemas.openxmlformats.org/drawingml/2006/chart" xmlns:mv="urn:schemas-microsoft-com:mac:vml" xmlns:mc="http://schemas.openxmlformats.org/markup-compatibility/2006" xmlns="" r:id="rId23" roundtripDataSignature="AMtx7mgu8VHT3uZvW+1PyJNPovTpS7ZQlQ=="/>
+      <go:slidesCustomData xmlns="" xmlns:mc="http://schemas.openxmlformats.org/markup-compatibility/2006" xmlns:mv="urn:schemas-microsoft-com:mac:vml" xmlns:c="http://schemas.openxmlformats.org/drawingml/2006/chart" xmlns:dgm="http://schemas.openxmlformats.org/drawingml/2006/diagram" xmlns:o="urn:schemas-microsoft-com:office:office" xmlns:v="urn:schemas-microsoft-com:vml" xmlns:pvml="urn:schemas-microsoft-com:office:powerpoint" xmlns:com="http://schemas.openxmlformats.org/drawingml/2006/compatibility" xmlns:p14="http://schemas.microsoft.com/office/powerpoint/2010/main" xmlns:p15="http://schemas.microsoft.com/office/powerpoint/2012/main" xmlns:ahyp="http://schemas.microsoft.com/office/drawing/2018/hyperlinkcolor" xmlns:go="http://customooxmlschemas.google.com/" r:id="rId23" roundtripDataSignature="AMtx7mgu8VHT3uZvW+1PyJNPovTpS7ZQlQ=="/>
     </p:ext>
   </p:extLst>
 </p:presentation>
@@ -12960,7 +12963,11 @@
             </a:pPr>
             <a:r>
               <a:rPr lang="en-US" dirty="0" smtClean="0"/>
-              <a:t>Wiring diagram</a:t>
+              <a:t>Wiring </a:t>
+            </a:r>
+            <a:r>
+              <a:rPr lang="en-US" dirty="0" smtClean="0"/>
+              <a:t>diagram V1.0</a:t>
             </a:r>
             <a:endParaRPr dirty="0"/>
           </a:p>
@@ -13453,182 +13460,16 @@
       </p:grpSp>
       <p:cxnSp>
         <p:nvCxnSpPr>
-          <p:cNvPr id="42" name="Google Shape;106;gb07a145dc2_0_1"/>
-          <p:cNvCxnSpPr/>
+          <p:cNvPr id="49" name="Elbow Connector 48"/>
+          <p:cNvCxnSpPr>
+            <a:stCxn id="24" idx="2"/>
+          </p:cNvCxnSpPr>
           <p:nvPr/>
         </p:nvCxnSpPr>
         <p:spPr>
-          <a:xfrm rot="16200000" flipV="1">
-            <a:off x="5159002" y="1915203"/>
-            <a:ext cx="1016553" cy="128905"/>
-          </a:xfrm>
-          <a:prstGeom prst="bentConnector3">
-            <a:avLst>
-              <a:gd name="adj1" fmla="val 50000"/>
-            </a:avLst>
-          </a:prstGeom>
-          <a:noFill/>
-          <a:ln w="28575" cap="flat" cmpd="sng">
-            <a:solidFill>
-              <a:schemeClr val="accent2"/>
-            </a:solidFill>
-            <a:prstDash val="solid"/>
-            <a:round/>
-            <a:headEnd type="none" w="med" len="med"/>
-            <a:tailEnd type="none" w="med" len="med"/>
-          </a:ln>
-        </p:spPr>
-      </p:cxnSp>
-      <p:sp>
-        <p:nvSpPr>
-          <p:cNvPr id="43" name="Rectangle 42"/>
-          <p:cNvSpPr/>
-          <p:nvPr/>
-        </p:nvSpPr>
-        <p:spPr>
-          <a:xfrm rot="16200000">
-            <a:off x="5285690" y="1615674"/>
-            <a:ext cx="426692" cy="257772"/>
-          </a:xfrm>
-          <a:prstGeom prst="rect">
-            <a:avLst/>
-          </a:prstGeom>
-          <a:noFill/>
-        </p:spPr>
-        <p:txBody>
-          <a:bodyPr wrap="none" lIns="91440" tIns="45720" rIns="91440" bIns="45720">
-            <a:spAutoFit/>
-          </a:bodyPr>
-          <a:lstStyle/>
-          <a:p>
-            <a:pPr algn="ctr"/>
-            <a:r>
-              <a:rPr lang="en-US" b="0" cap="none" spc="0" dirty="0" smtClean="0">
-                <a:ln w="0"/>
-                <a:solidFill>
-                  <a:schemeClr val="tx1"/>
-                </a:solidFill>
-                <a:effectLst>
-                  <a:outerShdw blurRad="38100" dist="19050" dir="2700000" algn="tl" rotWithShape="0">
-                    <a:schemeClr val="dk1">
-                      <a:alpha val="40000"/>
-                    </a:schemeClr>
-                  </a:outerShdw>
-                </a:effectLst>
-              </a:rPr>
-              <a:t>Re+</a:t>
-            </a:r>
-            <a:endParaRPr lang="en-US" b="0" cap="none" spc="0" dirty="0">
-              <a:ln w="0"/>
-              <a:solidFill>
-                <a:schemeClr val="tx1"/>
-              </a:solidFill>
-              <a:effectLst>
-                <a:outerShdw blurRad="38100" dist="19050" dir="2700000" algn="tl" rotWithShape="0">
-                  <a:schemeClr val="dk1">
-                    <a:alpha val="40000"/>
-                  </a:schemeClr>
-                </a:outerShdw>
-              </a:effectLst>
-            </a:endParaRPr>
-          </a:p>
-        </p:txBody>
-      </p:sp>
-      <p:cxnSp>
-        <p:nvCxnSpPr>
-          <p:cNvPr id="44" name="Google Shape;106;gb07a145dc2_0_1"/>
-          <p:cNvCxnSpPr/>
-          <p:nvPr/>
-        </p:nvCxnSpPr>
-        <p:spPr>
-          <a:xfrm rot="16200000">
-            <a:off x="5404226" y="1927752"/>
-            <a:ext cx="1016553" cy="103808"/>
-          </a:xfrm>
-          <a:prstGeom prst="bentConnector3">
-            <a:avLst>
-              <a:gd name="adj1" fmla="val 50000"/>
-            </a:avLst>
-          </a:prstGeom>
-          <a:noFill/>
-          <a:ln w="28575" cap="flat" cmpd="sng">
-            <a:solidFill>
-              <a:schemeClr val="tx2">
-                <a:lumMod val="50000"/>
-              </a:schemeClr>
-            </a:solidFill>
-            <a:prstDash val="solid"/>
-            <a:round/>
-            <a:headEnd type="none" w="med" len="med"/>
-            <a:tailEnd type="none" w="med" len="med"/>
-          </a:ln>
-        </p:spPr>
-      </p:cxnSp>
-      <p:sp>
-        <p:nvSpPr>
-          <p:cNvPr id="45" name="Rectangle 44"/>
-          <p:cNvSpPr/>
-          <p:nvPr/>
-        </p:nvSpPr>
-        <p:spPr>
-          <a:xfrm rot="16200000">
-            <a:off x="5884050" y="1587033"/>
-            <a:ext cx="389727" cy="257772"/>
-          </a:xfrm>
-          <a:prstGeom prst="rect">
-            <a:avLst/>
-          </a:prstGeom>
-          <a:noFill/>
-        </p:spPr>
-        <p:txBody>
-          <a:bodyPr wrap="none" lIns="91440" tIns="45720" rIns="91440" bIns="45720">
-            <a:spAutoFit/>
-          </a:bodyPr>
-          <a:lstStyle/>
-          <a:p>
-            <a:pPr algn="ctr"/>
-            <a:r>
-              <a:rPr lang="en-US" b="0" cap="none" spc="0" dirty="0" smtClean="0">
-                <a:ln w="0"/>
-                <a:solidFill>
-                  <a:schemeClr val="tx1"/>
-                </a:solidFill>
-                <a:effectLst>
-                  <a:outerShdw blurRad="38100" dist="19050" dir="2700000" algn="tl" rotWithShape="0">
-                    <a:schemeClr val="dk1">
-                      <a:alpha val="40000"/>
-                    </a:schemeClr>
-                  </a:outerShdw>
-                </a:effectLst>
-              </a:rPr>
-              <a:t>Re-</a:t>
-            </a:r>
-            <a:endParaRPr lang="en-US" b="0" cap="none" spc="0" dirty="0">
-              <a:ln w="0"/>
-              <a:solidFill>
-                <a:schemeClr val="tx1"/>
-              </a:solidFill>
-              <a:effectLst>
-                <a:outerShdw blurRad="38100" dist="19050" dir="2700000" algn="tl" rotWithShape="0">
-                  <a:schemeClr val="dk1">
-                    <a:alpha val="40000"/>
-                  </a:schemeClr>
-                </a:outerShdw>
-              </a:effectLst>
-            </a:endParaRPr>
-          </a:p>
-        </p:txBody>
-      </p:sp>
-      <p:cxnSp>
-        <p:nvCxnSpPr>
-          <p:cNvPr id="49" name="Elbow Connector 48"/>
-          <p:cNvCxnSpPr/>
-          <p:nvPr/>
-        </p:nvCxnSpPr>
-        <p:spPr>
-          <a:xfrm rot="16200000" flipH="1">
-            <a:off x="6466158" y="3220464"/>
-            <a:ext cx="611663" cy="26694"/>
+          <a:xfrm rot="5400000">
+            <a:off x="6644662" y="3068654"/>
+            <a:ext cx="611663" cy="330312"/>
           </a:xfrm>
           <a:prstGeom prst="bentConnector3">
             <a:avLst>
@@ -14033,11 +13874,11 @@
         <p:spPr>
           <a:xfrm>
             <a:off x="4517210" y="4375175"/>
-            <a:ext cx="3981732" cy="1812043"/>
+            <a:ext cx="3886166" cy="1977424"/>
           </a:xfrm>
           <a:prstGeom prst="bentConnector3">
             <a:avLst>
-              <a:gd name="adj1" fmla="val 19504"/>
+              <a:gd name="adj1" fmla="val 19816"/>
             </a:avLst>
           </a:prstGeom>
           <a:ln w="28575">
@@ -14064,18 +13905,18 @@
       <p:cxnSp>
         <p:nvCxnSpPr>
           <p:cNvPr id="76" name="Elbow Connector 75"/>
-          <p:cNvCxnSpPr>
-            <a:stCxn id="24" idx="3"/>
-          </p:cNvCxnSpPr>
+          <p:cNvCxnSpPr/>
           <p:nvPr/>
         </p:nvCxnSpPr>
         <p:spPr>
-          <a:xfrm>
-            <a:off x="7557493" y="2702028"/>
-            <a:ext cx="941450" cy="3259239"/>
+          <a:xfrm rot="5400000">
+            <a:off x="6018994" y="3700735"/>
+            <a:ext cx="4959896" cy="2"/>
           </a:xfrm>
-          <a:prstGeom prst="bentConnector2">
-            <a:avLst/>
+          <a:prstGeom prst="bentConnector3">
+            <a:avLst>
+              <a:gd name="adj1" fmla="val 50000"/>
+            </a:avLst>
           </a:prstGeom>
           <a:ln w="28575">
             <a:solidFill>
@@ -14119,7 +13960,7 @@
         </p:blipFill>
         <p:spPr bwMode="auto">
           <a:xfrm>
-            <a:off x="8437923" y="5889476"/>
+            <a:off x="8271987" y="6217404"/>
             <a:ext cx="680062" cy="323894"/>
           </a:xfrm>
           <a:prstGeom prst="rect">
@@ -14137,47 +13978,230 @@
           </a:extLst>
         </p:spPr>
       </p:pic>
-      <p:sp>
-        <p:nvSpPr>
-          <p:cNvPr id="52" name="Oval 51"/>
-          <p:cNvSpPr/>
+      <p:grpSp>
+        <p:nvGrpSpPr>
+          <p:cNvPr id="13" name="Group 12"/>
+          <p:cNvGrpSpPr/>
           <p:nvPr/>
-        </p:nvSpPr>
-        <p:spPr>
+        </p:nvGrpSpPr>
+        <p:grpSpPr>
           <a:xfrm>
-            <a:off x="5347131" y="1220789"/>
-            <a:ext cx="845883" cy="333440"/>
+            <a:off x="5347131" y="1524021"/>
+            <a:ext cx="860669" cy="963911"/>
+            <a:chOff x="5347131" y="1220789"/>
+            <a:chExt cx="860669" cy="1267143"/>
           </a:xfrm>
-          <a:prstGeom prst="ellipse">
-            <a:avLst/>
-          </a:prstGeom>
-          <a:noFill/>
-        </p:spPr>
-        <p:style>
-          <a:lnRef idx="2">
-            <a:schemeClr val="accent1">
-              <a:shade val="50000"/>
-            </a:schemeClr>
-          </a:lnRef>
-          <a:fillRef idx="1">
-            <a:schemeClr val="accent1"/>
-          </a:fillRef>
-          <a:effectRef idx="0">
-            <a:schemeClr val="accent1"/>
-          </a:effectRef>
-          <a:fontRef idx="minor">
-            <a:schemeClr val="lt1"/>
-          </a:fontRef>
-        </p:style>
-        <p:txBody>
-          <a:bodyPr rtlCol="0" anchor="ctr"/>
-          <a:lstStyle/>
-          <a:p>
-            <a:pPr algn="ctr"/>
-            <a:endParaRPr lang="en-IN"/>
-          </a:p>
-        </p:txBody>
-      </p:sp>
+        </p:grpSpPr>
+        <p:cxnSp>
+          <p:nvCxnSpPr>
+            <p:cNvPr id="42" name="Google Shape;106;gb07a145dc2_0_1"/>
+            <p:cNvCxnSpPr/>
+            <p:nvPr/>
+          </p:nvCxnSpPr>
+          <p:spPr>
+            <a:xfrm rot="16200000" flipV="1">
+              <a:off x="5159002" y="1915203"/>
+              <a:ext cx="1016553" cy="128905"/>
+            </a:xfrm>
+            <a:prstGeom prst="bentConnector3">
+              <a:avLst>
+                <a:gd name="adj1" fmla="val 50000"/>
+              </a:avLst>
+            </a:prstGeom>
+            <a:noFill/>
+            <a:ln w="28575" cap="flat" cmpd="sng">
+              <a:solidFill>
+                <a:schemeClr val="accent2"/>
+              </a:solidFill>
+              <a:prstDash val="solid"/>
+              <a:round/>
+              <a:headEnd type="none" w="med" len="med"/>
+              <a:tailEnd type="none" w="med" len="med"/>
+            </a:ln>
+          </p:spPr>
+        </p:cxnSp>
+        <p:sp>
+          <p:nvSpPr>
+            <p:cNvPr id="43" name="Rectangle 42"/>
+            <p:cNvSpPr/>
+            <p:nvPr/>
+          </p:nvSpPr>
+          <p:spPr>
+            <a:xfrm rot="16200000">
+              <a:off x="5285690" y="1615674"/>
+              <a:ext cx="426692" cy="257772"/>
+            </a:xfrm>
+            <a:prstGeom prst="rect">
+              <a:avLst/>
+            </a:prstGeom>
+            <a:noFill/>
+          </p:spPr>
+          <p:txBody>
+            <a:bodyPr wrap="none" lIns="91440" tIns="45720" rIns="91440" bIns="45720">
+              <a:spAutoFit/>
+            </a:bodyPr>
+            <a:lstStyle/>
+            <a:p>
+              <a:pPr algn="ctr"/>
+              <a:r>
+                <a:rPr lang="en-US" b="0" cap="none" spc="0" dirty="0" smtClean="0">
+                  <a:ln w="0"/>
+                  <a:solidFill>
+                    <a:schemeClr val="tx1"/>
+                  </a:solidFill>
+                  <a:effectLst>
+                    <a:outerShdw blurRad="38100" dist="19050" dir="2700000" algn="tl" rotWithShape="0">
+                      <a:schemeClr val="dk1">
+                        <a:alpha val="40000"/>
+                      </a:schemeClr>
+                    </a:outerShdw>
+                  </a:effectLst>
+                </a:rPr>
+                <a:t>Re+</a:t>
+              </a:r>
+              <a:endParaRPr lang="en-US" b="0" cap="none" spc="0" dirty="0">
+                <a:ln w="0"/>
+                <a:solidFill>
+                  <a:schemeClr val="tx1"/>
+                </a:solidFill>
+                <a:effectLst>
+                  <a:outerShdw blurRad="38100" dist="19050" dir="2700000" algn="tl" rotWithShape="0">
+                    <a:schemeClr val="dk1">
+                      <a:alpha val="40000"/>
+                    </a:schemeClr>
+                  </a:outerShdw>
+                </a:effectLst>
+              </a:endParaRPr>
+            </a:p>
+          </p:txBody>
+        </p:sp>
+        <p:cxnSp>
+          <p:nvCxnSpPr>
+            <p:cNvPr id="44" name="Google Shape;106;gb07a145dc2_0_1"/>
+            <p:cNvCxnSpPr/>
+            <p:nvPr/>
+          </p:nvCxnSpPr>
+          <p:spPr>
+            <a:xfrm rot="16200000">
+              <a:off x="5404226" y="1927752"/>
+              <a:ext cx="1016553" cy="103808"/>
+            </a:xfrm>
+            <a:prstGeom prst="bentConnector3">
+              <a:avLst>
+                <a:gd name="adj1" fmla="val 50000"/>
+              </a:avLst>
+            </a:prstGeom>
+            <a:noFill/>
+            <a:ln w="28575" cap="flat" cmpd="sng">
+              <a:solidFill>
+                <a:schemeClr val="tx2">
+                  <a:lumMod val="50000"/>
+                </a:schemeClr>
+              </a:solidFill>
+              <a:prstDash val="solid"/>
+              <a:round/>
+              <a:headEnd type="none" w="med" len="med"/>
+              <a:tailEnd type="none" w="med" len="med"/>
+            </a:ln>
+          </p:spPr>
+        </p:cxnSp>
+        <p:sp>
+          <p:nvSpPr>
+            <p:cNvPr id="45" name="Rectangle 44"/>
+            <p:cNvSpPr/>
+            <p:nvPr/>
+          </p:nvSpPr>
+          <p:spPr>
+            <a:xfrm rot="16200000">
+              <a:off x="5884050" y="1587033"/>
+              <a:ext cx="389727" cy="257772"/>
+            </a:xfrm>
+            <a:prstGeom prst="rect">
+              <a:avLst/>
+            </a:prstGeom>
+            <a:noFill/>
+          </p:spPr>
+          <p:txBody>
+            <a:bodyPr wrap="none" lIns="91440" tIns="45720" rIns="91440" bIns="45720">
+              <a:spAutoFit/>
+            </a:bodyPr>
+            <a:lstStyle/>
+            <a:p>
+              <a:pPr algn="ctr"/>
+              <a:r>
+                <a:rPr lang="en-US" b="0" cap="none" spc="0" dirty="0" smtClean="0">
+                  <a:ln w="0"/>
+                  <a:solidFill>
+                    <a:schemeClr val="tx1"/>
+                  </a:solidFill>
+                  <a:effectLst>
+                    <a:outerShdw blurRad="38100" dist="19050" dir="2700000" algn="tl" rotWithShape="0">
+                      <a:schemeClr val="dk1">
+                        <a:alpha val="40000"/>
+                      </a:schemeClr>
+                    </a:outerShdw>
+                  </a:effectLst>
+                </a:rPr>
+                <a:t>Re-</a:t>
+              </a:r>
+              <a:endParaRPr lang="en-US" b="0" cap="none" spc="0" dirty="0">
+                <a:ln w="0"/>
+                <a:solidFill>
+                  <a:schemeClr val="tx1"/>
+                </a:solidFill>
+                <a:effectLst>
+                  <a:outerShdw blurRad="38100" dist="19050" dir="2700000" algn="tl" rotWithShape="0">
+                    <a:schemeClr val="dk1">
+                      <a:alpha val="40000"/>
+                    </a:schemeClr>
+                  </a:outerShdw>
+                </a:effectLst>
+              </a:endParaRPr>
+            </a:p>
+          </p:txBody>
+        </p:sp>
+        <p:sp>
+          <p:nvSpPr>
+            <p:cNvPr id="52" name="Oval 51"/>
+            <p:cNvSpPr/>
+            <p:nvPr/>
+          </p:nvSpPr>
+          <p:spPr>
+            <a:xfrm>
+              <a:off x="5347131" y="1220789"/>
+              <a:ext cx="845883" cy="333440"/>
+            </a:xfrm>
+            <a:prstGeom prst="ellipse">
+              <a:avLst/>
+            </a:prstGeom>
+            <a:noFill/>
+          </p:spPr>
+          <p:style>
+            <a:lnRef idx="2">
+              <a:schemeClr val="accent1">
+                <a:shade val="50000"/>
+              </a:schemeClr>
+            </a:lnRef>
+            <a:fillRef idx="1">
+              <a:schemeClr val="accent1"/>
+            </a:fillRef>
+            <a:effectRef idx="0">
+              <a:schemeClr val="accent1"/>
+            </a:effectRef>
+            <a:fontRef idx="minor">
+              <a:schemeClr val="lt1"/>
+            </a:fontRef>
+          </p:style>
+          <p:txBody>
+            <a:bodyPr rtlCol="0" anchor="ctr"/>
+            <a:lstStyle/>
+            <a:p>
+              <a:pPr algn="ctr"/>
+              <a:endParaRPr lang="en-IN"/>
+            </a:p>
+          </p:txBody>
+        </p:sp>
+      </p:grpSp>
       <p:sp>
         <p:nvSpPr>
           <p:cNvPr id="112" name="Google Shape;85;p1"/>
@@ -14186,7 +14210,7 @@
         </p:nvSpPr>
         <p:spPr>
           <a:xfrm>
-            <a:off x="5876695" y="979009"/>
+            <a:off x="5987425" y="1541592"/>
             <a:ext cx="1503160" cy="422700"/>
           </a:xfrm>
           <a:prstGeom prst="rect">
@@ -14598,7 +14622,7 @@
         </p:nvSpPr>
         <p:spPr>
           <a:xfrm rot="16200000">
-            <a:off x="10105681" y="5853898"/>
+            <a:off x="9939745" y="6181826"/>
             <a:ext cx="845883" cy="333440"/>
           </a:xfrm>
           <a:prstGeom prst="ellipse">
@@ -14639,7 +14663,7 @@
         </p:nvSpPr>
         <p:spPr>
           <a:xfrm>
-            <a:off x="10361902" y="5386326"/>
+            <a:off x="10195966" y="5714254"/>
             <a:ext cx="1503160" cy="422700"/>
           </a:xfrm>
           <a:prstGeom prst="rect">
@@ -14883,8 +14907,8 @@
         </p:nvCxnSpPr>
         <p:spPr>
           <a:xfrm flipV="1">
-            <a:off x="9481883" y="2607599"/>
-            <a:ext cx="666452" cy="3245155"/>
+            <a:off x="9315947" y="2702028"/>
+            <a:ext cx="792807" cy="3478654"/>
           </a:xfrm>
           <a:prstGeom prst="straightConnector1">
             <a:avLst/>
@@ -15039,7 +15063,7 @@
         </p:blipFill>
         <p:spPr bwMode="auto">
           <a:xfrm>
-            <a:off x="9178077" y="5852754"/>
+            <a:off x="9012141" y="6180682"/>
             <a:ext cx="607612" cy="397337"/>
           </a:xfrm>
           <a:prstGeom prst="rect">
@@ -15065,7 +15089,7 @@
         </p:nvCxnSpPr>
         <p:spPr>
           <a:xfrm>
-            <a:off x="9770271" y="5927358"/>
+            <a:off x="9604335" y="6255286"/>
             <a:ext cx="740711" cy="45580"/>
           </a:xfrm>
           <a:prstGeom prst="bentConnector3">
@@ -15102,7 +15126,7 @@
         </p:nvCxnSpPr>
         <p:spPr>
           <a:xfrm rot="10800000" flipH="1">
-            <a:off x="9785688" y="6161097"/>
+            <a:off x="9619752" y="6489025"/>
             <a:ext cx="725294" cy="63652"/>
           </a:xfrm>
           <a:prstGeom prst="bentConnector3">
@@ -15113,6 +15137,43 @@
           <a:ln w="28575">
             <a:solidFill>
               <a:schemeClr val="tx1"/>
+            </a:solidFill>
+          </a:ln>
+        </p:spPr>
+        <p:style>
+          <a:lnRef idx="1">
+            <a:schemeClr val="accent1"/>
+          </a:lnRef>
+          <a:fillRef idx="0">
+            <a:schemeClr val="accent1"/>
+          </a:fillRef>
+          <a:effectRef idx="0">
+            <a:schemeClr val="accent1"/>
+          </a:effectRef>
+          <a:fontRef idx="minor">
+            <a:schemeClr val="tx1"/>
+          </a:fontRef>
+        </p:style>
+      </p:cxnSp>
+      <p:cxnSp>
+        <p:nvCxnSpPr>
+          <p:cNvPr id="51" name="Elbow Connector 50"/>
+          <p:cNvCxnSpPr/>
+          <p:nvPr/>
+        </p:nvCxnSpPr>
+        <p:spPr>
+          <a:xfrm flipV="1">
+            <a:off x="5144655" y="1220788"/>
+            <a:ext cx="3354287" cy="1481240"/>
+          </a:xfrm>
+          <a:prstGeom prst="bentConnector3">
+            <a:avLst>
+              <a:gd name="adj1" fmla="val -2869"/>
+            </a:avLst>
+          </a:prstGeom>
+          <a:ln w="28575">
+            <a:solidFill>
+              <a:srgbClr val="FF0000"/>
             </a:solidFill>
           </a:ln>
         </p:spPr>
